--- a/docs/figures/images.pptx
+++ b/docs/figures/images.pptx
@@ -9,6 +9,7 @@
     <p:sldId id="258" r:id="rId3"/>
     <p:sldId id="259" r:id="rId4"/>
     <p:sldId id="260" r:id="rId5"/>
+    <p:sldId id="261" r:id="rId6"/>
   </p:sldIdLst>
   <p:sldSz cx="12192000" cy="6858000"/>
   <p:notesSz cx="6858000" cy="9144000"/>
@@ -262,7 +263,7 @@
           <a:p>
             <a:fld id="{17F8B097-65A2-D441-A458-6A1233B254B2}" type="datetimeFigureOut">
               <a:rPr lang="en-US" smtClean="0"/>
-              <a:t>10/20/18</a:t>
+              <a:t>10/25/18</a:t>
             </a:fld>
             <a:endParaRPr lang="en-US"/>
           </a:p>
@@ -460,7 +461,7 @@
           <a:p>
             <a:fld id="{17F8B097-65A2-D441-A458-6A1233B254B2}" type="datetimeFigureOut">
               <a:rPr lang="en-US" smtClean="0"/>
-              <a:t>10/20/18</a:t>
+              <a:t>10/25/18</a:t>
             </a:fld>
             <a:endParaRPr lang="en-US"/>
           </a:p>
@@ -668,7 +669,7 @@
           <a:p>
             <a:fld id="{17F8B097-65A2-D441-A458-6A1233B254B2}" type="datetimeFigureOut">
               <a:rPr lang="en-US" smtClean="0"/>
-              <a:t>10/20/18</a:t>
+              <a:t>10/25/18</a:t>
             </a:fld>
             <a:endParaRPr lang="en-US"/>
           </a:p>
@@ -866,7 +867,7 @@
           <a:p>
             <a:fld id="{17F8B097-65A2-D441-A458-6A1233B254B2}" type="datetimeFigureOut">
               <a:rPr lang="en-US" smtClean="0"/>
-              <a:t>10/20/18</a:t>
+              <a:t>10/25/18</a:t>
             </a:fld>
             <a:endParaRPr lang="en-US"/>
           </a:p>
@@ -1141,7 +1142,7 @@
           <a:p>
             <a:fld id="{17F8B097-65A2-D441-A458-6A1233B254B2}" type="datetimeFigureOut">
               <a:rPr lang="en-US" smtClean="0"/>
-              <a:t>10/20/18</a:t>
+              <a:t>10/25/18</a:t>
             </a:fld>
             <a:endParaRPr lang="en-US"/>
           </a:p>
@@ -1406,7 +1407,7 @@
           <a:p>
             <a:fld id="{17F8B097-65A2-D441-A458-6A1233B254B2}" type="datetimeFigureOut">
               <a:rPr lang="en-US" smtClean="0"/>
-              <a:t>10/20/18</a:t>
+              <a:t>10/25/18</a:t>
             </a:fld>
             <a:endParaRPr lang="en-US"/>
           </a:p>
@@ -1818,7 +1819,7 @@
           <a:p>
             <a:fld id="{17F8B097-65A2-D441-A458-6A1233B254B2}" type="datetimeFigureOut">
               <a:rPr lang="en-US" smtClean="0"/>
-              <a:t>10/20/18</a:t>
+              <a:t>10/25/18</a:t>
             </a:fld>
             <a:endParaRPr lang="en-US"/>
           </a:p>
@@ -1959,7 +1960,7 @@
           <a:p>
             <a:fld id="{17F8B097-65A2-D441-A458-6A1233B254B2}" type="datetimeFigureOut">
               <a:rPr lang="en-US" smtClean="0"/>
-              <a:t>10/20/18</a:t>
+              <a:t>10/25/18</a:t>
             </a:fld>
             <a:endParaRPr lang="en-US"/>
           </a:p>
@@ -2072,7 +2073,7 @@
           <a:p>
             <a:fld id="{17F8B097-65A2-D441-A458-6A1233B254B2}" type="datetimeFigureOut">
               <a:rPr lang="en-US" smtClean="0"/>
-              <a:t>10/20/18</a:t>
+              <a:t>10/25/18</a:t>
             </a:fld>
             <a:endParaRPr lang="en-US"/>
           </a:p>
@@ -2383,7 +2384,7 @@
           <a:p>
             <a:fld id="{17F8B097-65A2-D441-A458-6A1233B254B2}" type="datetimeFigureOut">
               <a:rPr lang="en-US" smtClean="0"/>
-              <a:t>10/20/18</a:t>
+              <a:t>10/25/18</a:t>
             </a:fld>
             <a:endParaRPr lang="en-US"/>
           </a:p>
@@ -2671,7 +2672,7 @@
           <a:p>
             <a:fld id="{17F8B097-65A2-D441-A458-6A1233B254B2}" type="datetimeFigureOut">
               <a:rPr lang="en-US" smtClean="0"/>
-              <a:t>10/20/18</a:t>
+              <a:t>10/25/18</a:t>
             </a:fld>
             <a:endParaRPr lang="en-US"/>
           </a:p>
@@ -2912,7 +2913,7 @@
           <a:p>
             <a:fld id="{17F8B097-65A2-D441-A458-6A1233B254B2}" type="datetimeFigureOut">
               <a:rPr lang="en-US" smtClean="0"/>
-              <a:t>10/20/18</a:t>
+              <a:t>10/25/18</a:t>
             </a:fld>
             <a:endParaRPr lang="en-US"/>
           </a:p>
@@ -4229,6 +4230,162 @@
 </p:sld>
 </file>
 
+<file path=ppt/slides/slide5.xml><?xml version="1.0" encoding="utf-8"?>
+<p:sld xmlns:a="http://schemas.openxmlformats.org/drawingml/2006/main" xmlns:r="http://schemas.openxmlformats.org/officeDocument/2006/relationships" xmlns:p="http://schemas.openxmlformats.org/presentationml/2006/main">
+  <p:cSld>
+    <p:spTree>
+      <p:nvGrpSpPr>
+        <p:cNvPr id="1" name=""/>
+        <p:cNvGrpSpPr/>
+        <p:nvPr/>
+      </p:nvGrpSpPr>
+      <p:grpSpPr>
+        <a:xfrm>
+          <a:off x="0" y="0"/>
+          <a:ext cx="0" cy="0"/>
+          <a:chOff x="0" y="0"/>
+          <a:chExt cx="0" cy="0"/>
+        </a:xfrm>
+      </p:grpSpPr>
+      <p:sp>
+        <p:nvSpPr>
+          <p:cNvPr id="2" name="Rectangle 1">
+            <a:extLst>
+              <a:ext uri="{FF2B5EF4-FFF2-40B4-BE49-F238E27FC236}">
+                <a16:creationId xmlns:a16="http://schemas.microsoft.com/office/drawing/2014/main" id="{4C1B9761-56D2-DC45-AC18-FE6CDC77F69F}"/>
+              </a:ext>
+            </a:extLst>
+          </p:cNvPr>
+          <p:cNvSpPr/>
+          <p:nvPr/>
+        </p:nvSpPr>
+        <p:spPr>
+          <a:xfrm>
+            <a:off x="2015613" y="786581"/>
+            <a:ext cx="3657600" cy="1371600"/>
+          </a:xfrm>
+          <a:prstGeom prst="rect">
+            <a:avLst/>
+          </a:prstGeom>
+          <a:solidFill>
+            <a:srgbClr val="7030A0">
+              <a:alpha val="79608"/>
+            </a:srgbClr>
+          </a:solidFill>
+          <a:ln>
+            <a:solidFill>
+              <a:srgbClr val="7030A0">
+                <a:alpha val="80000"/>
+              </a:srgbClr>
+            </a:solidFill>
+          </a:ln>
+        </p:spPr>
+        <p:style>
+          <a:lnRef idx="2">
+            <a:schemeClr val="accent1">
+              <a:shade val="50000"/>
+            </a:schemeClr>
+          </a:lnRef>
+          <a:fillRef idx="1">
+            <a:schemeClr val="accent1"/>
+          </a:fillRef>
+          <a:effectRef idx="0">
+            <a:schemeClr val="accent1"/>
+          </a:effectRef>
+          <a:fontRef idx="minor">
+            <a:schemeClr val="lt1"/>
+          </a:fontRef>
+        </p:style>
+        <p:txBody>
+          <a:bodyPr rtlCol="0" anchor="ctr"/>
+          <a:lstStyle/>
+          <a:p>
+            <a:pPr algn="ctr"/>
+            <a:r>
+              <a:rPr lang="en-US" dirty="0">
+                <a:solidFill>
+                  <a:schemeClr val="bg1"/>
+                </a:solidFill>
+              </a:rPr>
+              <a:t>Wide Data</a:t>
+            </a:r>
+          </a:p>
+        </p:txBody>
+      </p:sp>
+      <p:sp>
+        <p:nvSpPr>
+          <p:cNvPr id="4" name="Rectangle 3">
+            <a:extLst>
+              <a:ext uri="{FF2B5EF4-FFF2-40B4-BE49-F238E27FC236}">
+                <a16:creationId xmlns:a16="http://schemas.microsoft.com/office/drawing/2014/main" id="{C4C46A20-9551-3C4D-908D-4C3592BDA3CD}"/>
+              </a:ext>
+            </a:extLst>
+          </p:cNvPr>
+          <p:cNvSpPr/>
+          <p:nvPr/>
+        </p:nvSpPr>
+        <p:spPr>
+          <a:xfrm>
+            <a:off x="2015613" y="2413819"/>
+            <a:ext cx="1371600" cy="3657600"/>
+          </a:xfrm>
+          <a:prstGeom prst="rect">
+            <a:avLst/>
+          </a:prstGeom>
+          <a:solidFill>
+            <a:srgbClr val="7030A0">
+              <a:alpha val="80000"/>
+            </a:srgbClr>
+          </a:solidFill>
+          <a:ln>
+            <a:solidFill>
+              <a:srgbClr val="7030A0">
+                <a:alpha val="80000"/>
+              </a:srgbClr>
+            </a:solidFill>
+          </a:ln>
+        </p:spPr>
+        <p:style>
+          <a:lnRef idx="2">
+            <a:schemeClr val="accent1">
+              <a:shade val="50000"/>
+            </a:schemeClr>
+          </a:lnRef>
+          <a:fillRef idx="1">
+            <a:schemeClr val="accent1"/>
+          </a:fillRef>
+          <a:effectRef idx="0">
+            <a:schemeClr val="accent1"/>
+          </a:effectRef>
+          <a:fontRef idx="minor">
+            <a:schemeClr val="lt1"/>
+          </a:fontRef>
+        </p:style>
+        <p:txBody>
+          <a:bodyPr rtlCol="0" anchor="ctr"/>
+          <a:lstStyle/>
+          <a:p>
+            <a:pPr algn="ctr"/>
+            <a:r>
+              <a:rPr lang="en-US" dirty="0"/>
+              <a:t>Tall Data</a:t>
+            </a:r>
+          </a:p>
+        </p:txBody>
+      </p:sp>
+    </p:spTree>
+    <p:extLst>
+      <p:ext uri="{BB962C8B-B14F-4D97-AF65-F5344CB8AC3E}">
+        <p14:creationId xmlns:p14="http://schemas.microsoft.com/office/powerpoint/2010/main" val="2220649010"/>
+      </p:ext>
+    </p:extLst>
+  </p:cSld>
+  <p:clrMapOvr>
+    <a:masterClrMapping/>
+  </p:clrMapOvr>
+</p:sld>
+</file>
+
 <file path=ppt/theme/theme1.xml><?xml version="1.0" encoding="utf-8"?>
 <a:theme xmlns:a="http://schemas.openxmlformats.org/drawingml/2006/main" name="Office Theme">
   <a:themeElements>

--- a/docs/figures/images.pptx
+++ b/docs/figures/images.pptx
@@ -3615,7 +3615,7 @@
           <p:nvPr>
             <p:extLst>
               <p:ext uri="{D42A27DB-BD31-4B8C-83A1-F6EECF244321}">
-                <p14:modId xmlns:p14="http://schemas.microsoft.com/office/powerpoint/2010/main" val="2976268768"/>
+                <p14:modId xmlns:p14="http://schemas.microsoft.com/office/powerpoint/2010/main" val="2167621048"/>
               </p:ext>
             </p:extLst>
           </p:nvPr>
@@ -3661,7 +3661,7 @@
                   </a:txBody>
                   <a:tcPr anchor="ctr">
                     <a:solidFill>
-                      <a:srgbClr val="00B050"/>
+                      <a:srgbClr val="00B0F0"/>
                     </a:solidFill>
                   </a:tcPr>
                 </a:tc>
@@ -3708,13 +3708,13 @@
           <p:nvPr>
             <p:extLst>
               <p:ext uri="{D42A27DB-BD31-4B8C-83A1-F6EECF244321}">
-                <p14:modId xmlns:p14="http://schemas.microsoft.com/office/powerpoint/2010/main" val="2721334939"/>
+                <p14:modId xmlns:p14="http://schemas.microsoft.com/office/powerpoint/2010/main" val="2369705099"/>
               </p:ext>
             </p:extLst>
           </p:nvPr>
         </p:nvGraphicFramePr>
         <p:xfrm>
-          <a:off x="592947" y="1394084"/>
+          <a:off x="592944" y="970479"/>
           <a:ext cx="8229600" cy="685800"/>
         </p:xfrm>
         <a:graphic>
@@ -3747,7 +3747,7 @@
                   </a:txBody>
                   <a:tcPr anchor="ctr">
                     <a:solidFill>
-                      <a:srgbClr val="00B050"/>
+                      <a:srgbClr val="00B0F0"/>
                     </a:solidFill>
                   </a:tcPr>
                 </a:tc>
@@ -3776,13 +3776,13 @@
           <p:nvPr>
             <p:extLst>
               <p:ext uri="{D42A27DB-BD31-4B8C-83A1-F6EECF244321}">
-                <p14:modId xmlns:p14="http://schemas.microsoft.com/office/powerpoint/2010/main" val="3383632196"/>
+                <p14:modId xmlns:p14="http://schemas.microsoft.com/office/powerpoint/2010/main" val="2060153003"/>
               </p:ext>
             </p:extLst>
           </p:nvPr>
         </p:nvGraphicFramePr>
         <p:xfrm>
-          <a:off x="592944" y="3496861"/>
+          <a:off x="592943" y="4760052"/>
           <a:ext cx="8229600" cy="685800"/>
         </p:xfrm>
         <a:graphic>
@@ -3850,7 +3850,7 @@
                   </a:txBody>
                   <a:tcPr anchor="ctr">
                     <a:solidFill>
-                      <a:srgbClr val="00B050"/>
+                      <a:srgbClr val="00B0F0"/>
                     </a:solidFill>
                   </a:tcPr>
                 </a:tc>
@@ -3868,7 +3868,7 @@
                   </a:txBody>
                   <a:tcPr anchor="ctr">
                     <a:solidFill>
-                      <a:srgbClr val="00B050"/>
+                      <a:srgbClr val="00B0F0"/>
                     </a:solidFill>
                   </a:tcPr>
                 </a:tc>
@@ -3886,7 +3886,7 @@
                   </a:txBody>
                   <a:tcPr anchor="ctr">
                     <a:solidFill>
-                      <a:srgbClr val="00B050"/>
+                      <a:srgbClr val="00B0F0"/>
                     </a:solidFill>
                   </a:tcPr>
                 </a:tc>
@@ -3904,7 +3904,7 @@
                   </a:txBody>
                   <a:tcPr anchor="ctr">
                     <a:solidFill>
-                      <a:srgbClr val="00B050"/>
+                      <a:srgbClr val="00B0F0"/>
                     </a:solidFill>
                   </a:tcPr>
                 </a:tc>
@@ -3922,7 +3922,7 @@
                   </a:txBody>
                   <a:tcPr anchor="ctr">
                     <a:solidFill>
-                      <a:srgbClr val="00B050"/>
+                      <a:srgbClr val="00B0F0"/>
                     </a:solidFill>
                   </a:tcPr>
                 </a:tc>
@@ -3969,13 +3969,13 @@
           <p:nvPr>
             <p:extLst>
               <p:ext uri="{D42A27DB-BD31-4B8C-83A1-F6EECF244321}">
-                <p14:modId xmlns:p14="http://schemas.microsoft.com/office/powerpoint/2010/main" val="2176015866"/>
+                <p14:modId xmlns:p14="http://schemas.microsoft.com/office/powerpoint/2010/main" val="3458443801"/>
               </p:ext>
             </p:extLst>
           </p:nvPr>
         </p:nvGraphicFramePr>
         <p:xfrm>
-          <a:off x="592944" y="4336447"/>
+          <a:off x="592944" y="3496861"/>
           <a:ext cx="8229600" cy="685800"/>
         </p:xfrm>
         <a:graphic>
@@ -4022,7 +4022,7 @@
                   </a:txBody>
                   <a:tcPr anchor="ctr">
                     <a:solidFill>
-                      <a:srgbClr val="00B050"/>
+                      <a:srgbClr val="00B0F0"/>
                     </a:solidFill>
                   </a:tcPr>
                 </a:tc>
@@ -4038,7 +4038,11 @@
                       </a:r>
                     </a:p>
                   </a:txBody>
-                  <a:tcPr anchor="ctr"/>
+                  <a:tcPr anchor="ctr">
+                    <a:solidFill>
+                      <a:srgbClr val="00B0F0"/>
+                    </a:solidFill>
+                  </a:tcPr>
                 </a:tc>
                 <a:tc>
                   <a:txBody>
@@ -4117,7 +4121,7 @@
         </p:nvSpPr>
         <p:spPr>
           <a:xfrm>
-            <a:off x="8904158" y="3578151"/>
+            <a:off x="8904157" y="4841342"/>
             <a:ext cx="2743200" cy="523220"/>
           </a:xfrm>
           <a:prstGeom prst="rect">
@@ -4152,7 +4156,7 @@
         </p:nvSpPr>
         <p:spPr>
           <a:xfrm>
-            <a:off x="8904157" y="4418876"/>
+            <a:off x="8904157" y="3578151"/>
             <a:ext cx="3287843" cy="523220"/>
           </a:xfrm>
           <a:prstGeom prst="rect">
@@ -4187,7 +4191,51 @@
         </p:nvSpPr>
         <p:spPr>
           <a:xfrm rot="16200000">
-            <a:off x="3201236" y="464965"/>
+            <a:off x="3201234" y="1740734"/>
+            <a:ext cx="269819" cy="5486400"/>
+          </a:xfrm>
+          <a:prstGeom prst="leftBrace">
+            <a:avLst/>
+          </a:prstGeom>
+        </p:spPr>
+        <p:style>
+          <a:lnRef idx="1">
+            <a:schemeClr val="dk1"/>
+          </a:lnRef>
+          <a:fillRef idx="0">
+            <a:schemeClr val="dk1"/>
+          </a:fillRef>
+          <a:effectRef idx="0">
+            <a:schemeClr val="dk1"/>
+          </a:effectRef>
+          <a:fontRef idx="minor">
+            <a:schemeClr val="tx1"/>
+          </a:fontRef>
+        </p:style>
+        <p:txBody>
+          <a:bodyPr rtlCol="0" anchor="ctr"/>
+          <a:lstStyle/>
+          <a:p>
+            <a:pPr algn="ctr"/>
+            <a:endParaRPr lang="en-US"/>
+          </a:p>
+        </p:txBody>
+      </p:sp>
+      <p:sp>
+        <p:nvSpPr>
+          <p:cNvPr id="11" name="Left Brace 10">
+            <a:extLst>
+              <a:ext uri="{FF2B5EF4-FFF2-40B4-BE49-F238E27FC236}">
+                <a16:creationId xmlns:a16="http://schemas.microsoft.com/office/drawing/2014/main" id="{253AACC0-2ED5-1646-8DB0-16CE35C78E6D}"/>
+              </a:ext>
+            </a:extLst>
+          </p:cNvPr>
+          <p:cNvSpPr/>
+          <p:nvPr/>
+        </p:nvSpPr>
+        <p:spPr>
+          <a:xfrm rot="16200000">
+            <a:off x="3201234" y="483450"/>
             <a:ext cx="269819" cy="5486400"/>
           </a:xfrm>
           <a:prstGeom prst="leftBrace">

--- a/docs/figures/images.pptx
+++ b/docs/figures/images.pptx
@@ -263,7 +263,7 @@
           <a:p>
             <a:fld id="{17F8B097-65A2-D441-A458-6A1233B254B2}" type="datetimeFigureOut">
               <a:rPr lang="en-US" smtClean="0"/>
-              <a:t>10/25/18</a:t>
+              <a:t>10/30/18</a:t>
             </a:fld>
             <a:endParaRPr lang="en-US"/>
           </a:p>
@@ -461,7 +461,7 @@
           <a:p>
             <a:fld id="{17F8B097-65A2-D441-A458-6A1233B254B2}" type="datetimeFigureOut">
               <a:rPr lang="en-US" smtClean="0"/>
-              <a:t>10/25/18</a:t>
+              <a:t>10/30/18</a:t>
             </a:fld>
             <a:endParaRPr lang="en-US"/>
           </a:p>
@@ -669,7 +669,7 @@
           <a:p>
             <a:fld id="{17F8B097-65A2-D441-A458-6A1233B254B2}" type="datetimeFigureOut">
               <a:rPr lang="en-US" smtClean="0"/>
-              <a:t>10/25/18</a:t>
+              <a:t>10/30/18</a:t>
             </a:fld>
             <a:endParaRPr lang="en-US"/>
           </a:p>
@@ -867,7 +867,7 @@
           <a:p>
             <a:fld id="{17F8B097-65A2-D441-A458-6A1233B254B2}" type="datetimeFigureOut">
               <a:rPr lang="en-US" smtClean="0"/>
-              <a:t>10/25/18</a:t>
+              <a:t>10/30/18</a:t>
             </a:fld>
             <a:endParaRPr lang="en-US"/>
           </a:p>
@@ -1142,7 +1142,7 @@
           <a:p>
             <a:fld id="{17F8B097-65A2-D441-A458-6A1233B254B2}" type="datetimeFigureOut">
               <a:rPr lang="en-US" smtClean="0"/>
-              <a:t>10/25/18</a:t>
+              <a:t>10/30/18</a:t>
             </a:fld>
             <a:endParaRPr lang="en-US"/>
           </a:p>
@@ -1407,7 +1407,7 @@
           <a:p>
             <a:fld id="{17F8B097-65A2-D441-A458-6A1233B254B2}" type="datetimeFigureOut">
               <a:rPr lang="en-US" smtClean="0"/>
-              <a:t>10/25/18</a:t>
+              <a:t>10/30/18</a:t>
             </a:fld>
             <a:endParaRPr lang="en-US"/>
           </a:p>
@@ -1819,7 +1819,7 @@
           <a:p>
             <a:fld id="{17F8B097-65A2-D441-A458-6A1233B254B2}" type="datetimeFigureOut">
               <a:rPr lang="en-US" smtClean="0"/>
-              <a:t>10/25/18</a:t>
+              <a:t>10/30/18</a:t>
             </a:fld>
             <a:endParaRPr lang="en-US"/>
           </a:p>
@@ -1960,7 +1960,7 @@
           <a:p>
             <a:fld id="{17F8B097-65A2-D441-A458-6A1233B254B2}" type="datetimeFigureOut">
               <a:rPr lang="en-US" smtClean="0"/>
-              <a:t>10/25/18</a:t>
+              <a:t>10/30/18</a:t>
             </a:fld>
             <a:endParaRPr lang="en-US"/>
           </a:p>
@@ -2073,7 +2073,7 @@
           <a:p>
             <a:fld id="{17F8B097-65A2-D441-A458-6A1233B254B2}" type="datetimeFigureOut">
               <a:rPr lang="en-US" smtClean="0"/>
-              <a:t>10/25/18</a:t>
+              <a:t>10/30/18</a:t>
             </a:fld>
             <a:endParaRPr lang="en-US"/>
           </a:p>
@@ -2384,7 +2384,7 @@
           <a:p>
             <a:fld id="{17F8B097-65A2-D441-A458-6A1233B254B2}" type="datetimeFigureOut">
               <a:rPr lang="en-US" smtClean="0"/>
-              <a:t>10/25/18</a:t>
+              <a:t>10/30/18</a:t>
             </a:fld>
             <a:endParaRPr lang="en-US"/>
           </a:p>
@@ -2672,7 +2672,7 @@
           <a:p>
             <a:fld id="{17F8B097-65A2-D441-A458-6A1233B254B2}" type="datetimeFigureOut">
               <a:rPr lang="en-US" smtClean="0"/>
-              <a:t>10/25/18</a:t>
+              <a:t>10/30/18</a:t>
             </a:fld>
             <a:endParaRPr lang="en-US"/>
           </a:p>
@@ -2913,7 +2913,7 @@
           <a:p>
             <a:fld id="{17F8B097-65A2-D441-A458-6A1233B254B2}" type="datetimeFigureOut">
               <a:rPr lang="en-US" smtClean="0"/>
-              <a:t>10/25/18</a:t>
+              <a:t>10/30/18</a:t>
             </a:fld>
             <a:endParaRPr lang="en-US"/>
           </a:p>
@@ -3615,13 +3615,13 @@
           <p:nvPr>
             <p:extLst>
               <p:ext uri="{D42A27DB-BD31-4B8C-83A1-F6EECF244321}">
-                <p14:modId xmlns:p14="http://schemas.microsoft.com/office/powerpoint/2010/main" val="2167621048"/>
+                <p14:modId xmlns:p14="http://schemas.microsoft.com/office/powerpoint/2010/main" val="1929609828"/>
               </p:ext>
             </p:extLst>
           </p:nvPr>
         </p:nvGraphicFramePr>
         <p:xfrm>
-          <a:off x="592947" y="2233670"/>
+          <a:off x="592943" y="1923788"/>
           <a:ext cx="8229600" cy="685800"/>
         </p:xfrm>
         <a:graphic>
@@ -3708,13 +3708,13 @@
           <p:nvPr>
             <p:extLst>
               <p:ext uri="{D42A27DB-BD31-4B8C-83A1-F6EECF244321}">
-                <p14:modId xmlns:p14="http://schemas.microsoft.com/office/powerpoint/2010/main" val="2369705099"/>
+                <p14:modId xmlns:p14="http://schemas.microsoft.com/office/powerpoint/2010/main" val="1737986051"/>
               </p:ext>
             </p:extLst>
           </p:nvPr>
         </p:nvGraphicFramePr>
         <p:xfrm>
-          <a:off x="592944" y="970479"/>
+          <a:off x="592943" y="350715"/>
           <a:ext cx="8229600" cy="685800"/>
         </p:xfrm>
         <a:graphic>
@@ -3741,7 +3741,7 @@
                       <a:pPr algn="ctr"/>
                       <a:r>
                         <a:rPr lang="en-US" sz="2800" dirty="0"/>
-                        <a:t>Data set</a:t>
+                        <a:t>All available data</a:t>
                       </a:r>
                     </a:p>
                   </a:txBody>
@@ -3776,13 +3776,13 @@
           <p:nvPr>
             <p:extLst>
               <p:ext uri="{D42A27DB-BD31-4B8C-83A1-F6EECF244321}">
-                <p14:modId xmlns:p14="http://schemas.microsoft.com/office/powerpoint/2010/main" val="2060153003"/>
+                <p14:modId xmlns:p14="http://schemas.microsoft.com/office/powerpoint/2010/main" val="109303703"/>
               </p:ext>
             </p:extLst>
           </p:nvPr>
         </p:nvGraphicFramePr>
         <p:xfrm>
-          <a:off x="592943" y="4760052"/>
+          <a:off x="592943" y="5069934"/>
           <a:ext cx="8229600" cy="685800"/>
         </p:xfrm>
         <a:graphic>
@@ -3969,7 +3969,7 @@
           <p:nvPr>
             <p:extLst>
               <p:ext uri="{D42A27DB-BD31-4B8C-83A1-F6EECF244321}">
-                <p14:modId xmlns:p14="http://schemas.microsoft.com/office/powerpoint/2010/main" val="3458443801"/>
+                <p14:modId xmlns:p14="http://schemas.microsoft.com/office/powerpoint/2010/main" val="2108381692"/>
               </p:ext>
             </p:extLst>
           </p:nvPr>
@@ -4086,7 +4086,7 @@
         </p:nvSpPr>
         <p:spPr>
           <a:xfrm>
-            <a:off x="8904159" y="2314960"/>
+            <a:off x="8904157" y="2005078"/>
             <a:ext cx="2743200" cy="523220"/>
           </a:xfrm>
           <a:prstGeom prst="rect">
@@ -4121,7 +4121,7 @@
         </p:nvSpPr>
         <p:spPr>
           <a:xfrm>
-            <a:off x="8904157" y="4841342"/>
+            <a:off x="8904157" y="5151224"/>
             <a:ext cx="2743200" cy="523220"/>
           </a:xfrm>
           <a:prstGeom prst="rect">
@@ -4191,8 +4191,8 @@
         </p:nvSpPr>
         <p:spPr>
           <a:xfrm rot="16200000">
-            <a:off x="3201234" y="1740734"/>
-            <a:ext cx="269819" cy="5486400"/>
+            <a:off x="3118044" y="1883096"/>
+            <a:ext cx="424448" cy="5486401"/>
           </a:xfrm>
           <a:prstGeom prst="leftBrace">
             <a:avLst/>
@@ -4221,12 +4221,120 @@
           </a:p>
         </p:txBody>
       </p:sp>
-      <p:sp>
-        <p:nvSpPr>
-          <p:cNvPr id="11" name="Left Brace 10">
-            <a:extLst>
-              <a:ext uri="{FF2B5EF4-FFF2-40B4-BE49-F238E27FC236}">
-                <a16:creationId xmlns:a16="http://schemas.microsoft.com/office/drawing/2014/main" id="{253AACC0-2ED5-1646-8DB0-16CE35C78E6D}"/>
+      <p:pic>
+        <p:nvPicPr>
+          <p:cNvPr id="12" name="Graphic 11" descr="Lock">
+            <a:extLst>
+              <a:ext uri="{FF2B5EF4-FFF2-40B4-BE49-F238E27FC236}">
+                <a16:creationId xmlns:a16="http://schemas.microsoft.com/office/drawing/2014/main" id="{24C161ED-2D86-F249-B6F0-8E5721F67D31}"/>
+              </a:ext>
+            </a:extLst>
+          </p:cNvPr>
+          <p:cNvPicPr>
+            <a:picLocks noChangeAspect="1"/>
+          </p:cNvPicPr>
+          <p:nvPr/>
+        </p:nvPicPr>
+        <p:blipFill>
+          <a:blip r:embed="rId2">
+            <a:extLst>
+              <a:ext uri="{96DAC541-7B7A-43D3-8B79-37D633B846F1}">
+                <asvg:svgBlip xmlns:asvg="http://schemas.microsoft.com/office/drawing/2016/SVG/main" r:embed="rId3"/>
+              </a:ext>
+            </a:extLst>
+          </a:blip>
+          <a:stretch>
+            <a:fillRect/>
+          </a:stretch>
+        </p:blipFill>
+        <p:spPr>
+          <a:xfrm>
+            <a:off x="7127966" y="2588695"/>
+            <a:ext cx="640080" cy="640080"/>
+          </a:xfrm>
+          <a:prstGeom prst="rect">
+            <a:avLst/>
+          </a:prstGeom>
+        </p:spPr>
+      </p:pic>
+      <p:pic>
+        <p:nvPicPr>
+          <p:cNvPr id="13" name="Graphic 12" descr="Lock">
+            <a:extLst>
+              <a:ext uri="{FF2B5EF4-FFF2-40B4-BE49-F238E27FC236}">
+                <a16:creationId xmlns:a16="http://schemas.microsoft.com/office/drawing/2014/main" id="{D9EDAEEA-C30E-3249-A9BE-D35F9D884CE8}"/>
+              </a:ext>
+            </a:extLst>
+          </p:cNvPr>
+          <p:cNvPicPr>
+            <a:picLocks noChangeAspect="1"/>
+          </p:cNvPicPr>
+          <p:nvPr/>
+        </p:nvPicPr>
+        <p:blipFill>
+          <a:blip r:embed="rId2">
+            <a:extLst>
+              <a:ext uri="{96DAC541-7B7A-43D3-8B79-37D633B846F1}">
+                <asvg:svgBlip xmlns:asvg="http://schemas.microsoft.com/office/drawing/2016/SVG/main" r:embed="rId3"/>
+              </a:ext>
+            </a:extLst>
+          </a:blip>
+          <a:stretch>
+            <a:fillRect/>
+          </a:stretch>
+        </p:blipFill>
+        <p:spPr>
+          <a:xfrm>
+            <a:off x="7127966" y="4182661"/>
+            <a:ext cx="640080" cy="640080"/>
+          </a:xfrm>
+          <a:prstGeom prst="rect">
+            <a:avLst/>
+          </a:prstGeom>
+        </p:spPr>
+      </p:pic>
+      <p:pic>
+        <p:nvPicPr>
+          <p:cNvPr id="14" name="Graphic 13" descr="Lock">
+            <a:extLst>
+              <a:ext uri="{FF2B5EF4-FFF2-40B4-BE49-F238E27FC236}">
+                <a16:creationId xmlns:a16="http://schemas.microsoft.com/office/drawing/2014/main" id="{32F6B4BC-1A10-3341-9C34-2F18C9C79CB8}"/>
+              </a:ext>
+            </a:extLst>
+          </p:cNvPr>
+          <p:cNvPicPr>
+            <a:picLocks noChangeAspect="1"/>
+          </p:cNvPicPr>
+          <p:nvPr/>
+        </p:nvPicPr>
+        <p:blipFill>
+          <a:blip r:embed="rId2">
+            <a:extLst>
+              <a:ext uri="{96DAC541-7B7A-43D3-8B79-37D633B846F1}">
+                <asvg:svgBlip xmlns:asvg="http://schemas.microsoft.com/office/drawing/2016/SVG/main" r:embed="rId3"/>
+              </a:ext>
+            </a:extLst>
+          </a:blip>
+          <a:stretch>
+            <a:fillRect/>
+          </a:stretch>
+        </p:blipFill>
+        <p:spPr>
+          <a:xfrm>
+            <a:off x="7127966" y="5755734"/>
+            <a:ext cx="640080" cy="640080"/>
+          </a:xfrm>
+          <a:prstGeom prst="rect">
+            <a:avLst/>
+          </a:prstGeom>
+        </p:spPr>
+      </p:pic>
+      <p:sp>
+        <p:nvSpPr>
+          <p:cNvPr id="15" name="Left Brace 14">
+            <a:extLst>
+              <a:ext uri="{FF2B5EF4-FFF2-40B4-BE49-F238E27FC236}">
+                <a16:creationId xmlns:a16="http://schemas.microsoft.com/office/drawing/2014/main" id="{E58C25B9-91FB-624D-B736-C78FAC87C585}"/>
               </a:ext>
             </a:extLst>
           </p:cNvPr>
@@ -4235,8 +4343,8 @@
         </p:nvSpPr>
         <p:spPr>
           <a:xfrm rot="16200000">
-            <a:off x="3201234" y="483450"/>
-            <a:ext cx="269819" cy="5486400"/>
+            <a:off x="3118044" y="310023"/>
+            <a:ext cx="424448" cy="5486401"/>
           </a:xfrm>
           <a:prstGeom prst="leftBrace">
             <a:avLst/>

--- a/docs/figures/images.pptx
+++ b/docs/figures/images.pptx
@@ -3615,7 +3615,7 @@
           <p:nvPr>
             <p:extLst>
               <p:ext uri="{D42A27DB-BD31-4B8C-83A1-F6EECF244321}">
-                <p14:modId xmlns:p14="http://schemas.microsoft.com/office/powerpoint/2010/main" val="1929609828"/>
+                <p14:modId xmlns:p14="http://schemas.microsoft.com/office/powerpoint/2010/main" val="3249749349"/>
               </p:ext>
             </p:extLst>
           </p:nvPr>
@@ -3708,7 +3708,7 @@
           <p:nvPr>
             <p:extLst>
               <p:ext uri="{D42A27DB-BD31-4B8C-83A1-F6EECF244321}">
-                <p14:modId xmlns:p14="http://schemas.microsoft.com/office/powerpoint/2010/main" val="1737986051"/>
+                <p14:modId xmlns:p14="http://schemas.microsoft.com/office/powerpoint/2010/main" val="1678012125"/>
               </p:ext>
             </p:extLst>
           </p:nvPr>
@@ -3776,7 +3776,7 @@
           <p:nvPr>
             <p:extLst>
               <p:ext uri="{D42A27DB-BD31-4B8C-83A1-F6EECF244321}">
-                <p14:modId xmlns:p14="http://schemas.microsoft.com/office/powerpoint/2010/main" val="109303703"/>
+                <p14:modId xmlns:p14="http://schemas.microsoft.com/office/powerpoint/2010/main" val="2605691155"/>
               </p:ext>
             </p:extLst>
           </p:nvPr>
@@ -3969,7 +3969,7 @@
           <p:nvPr>
             <p:extLst>
               <p:ext uri="{D42A27DB-BD31-4B8C-83A1-F6EECF244321}">
-                <p14:modId xmlns:p14="http://schemas.microsoft.com/office/powerpoint/2010/main" val="2108381692"/>
+                <p14:modId xmlns:p14="http://schemas.microsoft.com/office/powerpoint/2010/main" val="1445655510"/>
               </p:ext>
             </p:extLst>
           </p:nvPr>

--- a/docs/figures/images.pptx
+++ b/docs/figures/images.pptx
@@ -10,6 +10,7 @@
     <p:sldId id="259" r:id="rId4"/>
     <p:sldId id="260" r:id="rId5"/>
     <p:sldId id="261" r:id="rId6"/>
+    <p:sldId id="262" r:id="rId7"/>
   </p:sldIdLst>
   <p:sldSz cx="12192000" cy="6858000"/>
   <p:notesSz cx="6858000" cy="9144000"/>
@@ -263,7 +264,7 @@
           <a:p>
             <a:fld id="{17F8B097-65A2-D441-A458-6A1233B254B2}" type="datetimeFigureOut">
               <a:rPr lang="en-US" smtClean="0"/>
-              <a:t>10/30/18</a:t>
+              <a:t>10/31/18</a:t>
             </a:fld>
             <a:endParaRPr lang="en-US"/>
           </a:p>
@@ -461,7 +462,7 @@
           <a:p>
             <a:fld id="{17F8B097-65A2-D441-A458-6A1233B254B2}" type="datetimeFigureOut">
               <a:rPr lang="en-US" smtClean="0"/>
-              <a:t>10/30/18</a:t>
+              <a:t>10/31/18</a:t>
             </a:fld>
             <a:endParaRPr lang="en-US"/>
           </a:p>
@@ -669,7 +670,7 @@
           <a:p>
             <a:fld id="{17F8B097-65A2-D441-A458-6A1233B254B2}" type="datetimeFigureOut">
               <a:rPr lang="en-US" smtClean="0"/>
-              <a:t>10/30/18</a:t>
+              <a:t>10/31/18</a:t>
             </a:fld>
             <a:endParaRPr lang="en-US"/>
           </a:p>
@@ -867,7 +868,7 @@
           <a:p>
             <a:fld id="{17F8B097-65A2-D441-A458-6A1233B254B2}" type="datetimeFigureOut">
               <a:rPr lang="en-US" smtClean="0"/>
-              <a:t>10/30/18</a:t>
+              <a:t>10/31/18</a:t>
             </a:fld>
             <a:endParaRPr lang="en-US"/>
           </a:p>
@@ -1142,7 +1143,7 @@
           <a:p>
             <a:fld id="{17F8B097-65A2-D441-A458-6A1233B254B2}" type="datetimeFigureOut">
               <a:rPr lang="en-US" smtClean="0"/>
-              <a:t>10/30/18</a:t>
+              <a:t>10/31/18</a:t>
             </a:fld>
             <a:endParaRPr lang="en-US"/>
           </a:p>
@@ -1407,7 +1408,7 @@
           <a:p>
             <a:fld id="{17F8B097-65A2-D441-A458-6A1233B254B2}" type="datetimeFigureOut">
               <a:rPr lang="en-US" smtClean="0"/>
-              <a:t>10/30/18</a:t>
+              <a:t>10/31/18</a:t>
             </a:fld>
             <a:endParaRPr lang="en-US"/>
           </a:p>
@@ -1819,7 +1820,7 @@
           <a:p>
             <a:fld id="{17F8B097-65A2-D441-A458-6A1233B254B2}" type="datetimeFigureOut">
               <a:rPr lang="en-US" smtClean="0"/>
-              <a:t>10/30/18</a:t>
+              <a:t>10/31/18</a:t>
             </a:fld>
             <a:endParaRPr lang="en-US"/>
           </a:p>
@@ -1960,7 +1961,7 @@
           <a:p>
             <a:fld id="{17F8B097-65A2-D441-A458-6A1233B254B2}" type="datetimeFigureOut">
               <a:rPr lang="en-US" smtClean="0"/>
-              <a:t>10/30/18</a:t>
+              <a:t>10/31/18</a:t>
             </a:fld>
             <a:endParaRPr lang="en-US"/>
           </a:p>
@@ -2073,7 +2074,7 @@
           <a:p>
             <a:fld id="{17F8B097-65A2-D441-A458-6A1233B254B2}" type="datetimeFigureOut">
               <a:rPr lang="en-US" smtClean="0"/>
-              <a:t>10/30/18</a:t>
+              <a:t>10/31/18</a:t>
             </a:fld>
             <a:endParaRPr lang="en-US"/>
           </a:p>
@@ -2384,7 +2385,7 @@
           <a:p>
             <a:fld id="{17F8B097-65A2-D441-A458-6A1233B254B2}" type="datetimeFigureOut">
               <a:rPr lang="en-US" smtClean="0"/>
-              <a:t>10/30/18</a:t>
+              <a:t>10/31/18</a:t>
             </a:fld>
             <a:endParaRPr lang="en-US"/>
           </a:p>
@@ -2672,7 +2673,7 @@
           <a:p>
             <a:fld id="{17F8B097-65A2-D441-A458-6A1233B254B2}" type="datetimeFigureOut">
               <a:rPr lang="en-US" smtClean="0"/>
-              <a:t>10/30/18</a:t>
+              <a:t>10/31/18</a:t>
             </a:fld>
             <a:endParaRPr lang="en-US"/>
           </a:p>
@@ -2913,7 +2914,7 @@
           <a:p>
             <a:fld id="{17F8B097-65A2-D441-A458-6A1233B254B2}" type="datetimeFigureOut">
               <a:rPr lang="en-US" smtClean="0"/>
-              <a:t>10/30/18</a:t>
+              <a:t>10/31/18</a:t>
             </a:fld>
             <a:endParaRPr lang="en-US"/>
           </a:p>
@@ -4542,6 +4543,1329 @@
 </p:sld>
 </file>
 
+<file path=ppt/slides/slide6.xml><?xml version="1.0" encoding="utf-8"?>
+<p:sld xmlns:a="http://schemas.openxmlformats.org/drawingml/2006/main" xmlns:r="http://schemas.openxmlformats.org/officeDocument/2006/relationships" xmlns:p="http://schemas.openxmlformats.org/presentationml/2006/main">
+  <p:cSld>
+    <p:spTree>
+      <p:nvGrpSpPr>
+        <p:cNvPr id="1" name=""/>
+        <p:cNvGrpSpPr/>
+        <p:nvPr/>
+      </p:nvGrpSpPr>
+      <p:grpSpPr>
+        <a:xfrm>
+          <a:off x="0" y="0"/>
+          <a:ext cx="0" cy="0"/>
+          <a:chOff x="0" y="0"/>
+          <a:chExt cx="0" cy="0"/>
+        </a:xfrm>
+      </p:grpSpPr>
+      <p:graphicFrame>
+        <p:nvGraphicFramePr>
+          <p:cNvPr id="2" name="Table 1">
+            <a:extLst>
+              <a:ext uri="{FF2B5EF4-FFF2-40B4-BE49-F238E27FC236}">
+                <a16:creationId xmlns:a16="http://schemas.microsoft.com/office/drawing/2014/main" id="{5C86A665-25F8-E444-B30E-618AD272564D}"/>
+              </a:ext>
+            </a:extLst>
+          </p:cNvPr>
+          <p:cNvGraphicFramePr>
+            <a:graphicFrameLocks noGrp="1"/>
+          </p:cNvGraphicFramePr>
+          <p:nvPr/>
+        </p:nvGraphicFramePr>
+        <p:xfrm>
+          <a:off x="2759588" y="1203960"/>
+          <a:ext cx="1815293" cy="2595880"/>
+        </p:xfrm>
+        <a:graphic>
+          <a:graphicData uri="http://schemas.openxmlformats.org/drawingml/2006/table">
+            <a:tbl>
+              <a:tblPr firstRow="1" bandRow="1">
+                <a:tableStyleId>{5C22544A-7EE6-4342-B048-85BDC9FD1C3A}</a:tableStyleId>
+              </a:tblPr>
+              <a:tblGrid>
+                <a:gridCol w="413068">
+                  <a:extLst>
+                    <a:ext uri="{9D8B030D-6E8A-4147-A177-3AD203B41FA5}">
+                      <a16:colId xmlns:a16="http://schemas.microsoft.com/office/drawing/2014/main" val="3999137611"/>
+                    </a:ext>
+                  </a:extLst>
+                </a:gridCol>
+                <a:gridCol w="661004">
+                  <a:extLst>
+                    <a:ext uri="{9D8B030D-6E8A-4147-A177-3AD203B41FA5}">
+                      <a16:colId xmlns:a16="http://schemas.microsoft.com/office/drawing/2014/main" val="2588747643"/>
+                    </a:ext>
+                  </a:extLst>
+                </a:gridCol>
+                <a:gridCol w="741221">
+                  <a:extLst>
+                    <a:ext uri="{9D8B030D-6E8A-4147-A177-3AD203B41FA5}">
+                      <a16:colId xmlns:a16="http://schemas.microsoft.com/office/drawing/2014/main" val="1118308730"/>
+                    </a:ext>
+                  </a:extLst>
+                </a:gridCol>
+              </a:tblGrid>
+              <a:tr h="370840">
+                <a:tc gridSpan="3">
+                  <a:txBody>
+                    <a:bodyPr/>
+                    <a:lstStyle/>
+                    <a:p>
+                      <a:pPr algn="l"/>
+                      <a:r>
+                        <a:rPr lang="en-US" sz="1400" dirty="0">
+                          <a:solidFill>
+                            <a:schemeClr val="tx1"/>
+                          </a:solidFill>
+                        </a:rPr>
+                        <a:t>Original data</a:t>
+                      </a:r>
+                    </a:p>
+                  </a:txBody>
+                  <a:tcPr anchor="b">
+                    <a:lnL w="12700" cmpd="sng">
+                      <a:noFill/>
+                    </a:lnL>
+                    <a:lnR w="12700" cmpd="sng">
+                      <a:noFill/>
+                    </a:lnR>
+                    <a:lnT w="12700" cmpd="sng">
+                      <a:noFill/>
+                    </a:lnT>
+                    <a:lnB w="38100" cmpd="sng">
+                      <a:noFill/>
+                    </a:lnB>
+                    <a:lnTlToBr w="12700" cmpd="sng">
+                      <a:noFill/>
+                      <a:prstDash val="solid"/>
+                    </a:lnTlToBr>
+                    <a:lnBlToTr w="12700" cmpd="sng">
+                      <a:noFill/>
+                      <a:prstDash val="solid"/>
+                    </a:lnBlToTr>
+                    <a:noFill/>
+                  </a:tcPr>
+                </a:tc>
+                <a:tc hMerge="1">
+                  <a:txBody>
+                    <a:bodyPr/>
+                    <a:lstStyle/>
+                    <a:p>
+                      <a:pPr algn="ctr"/>
+                      <a:endParaRPr lang="en-US" dirty="0"/>
+                    </a:p>
+                  </a:txBody>
+                  <a:tcPr>
+                    <a:solidFill>
+                      <a:schemeClr val="bg1">
+                        <a:lumMod val="65000"/>
+                      </a:schemeClr>
+                    </a:solidFill>
+                  </a:tcPr>
+                </a:tc>
+                <a:tc hMerge="1">
+                  <a:txBody>
+                    <a:bodyPr/>
+                    <a:lstStyle/>
+                    <a:p>
+                      <a:pPr algn="ctr"/>
+                      <a:endParaRPr lang="en-US" dirty="0"/>
+                    </a:p>
+                  </a:txBody>
+                  <a:tcPr>
+                    <a:solidFill>
+                      <a:schemeClr val="bg1">
+                        <a:lumMod val="65000"/>
+                      </a:schemeClr>
+                    </a:solidFill>
+                  </a:tcPr>
+                </a:tc>
+                <a:extLst>
+                  <a:ext uri="{0D108BD9-81ED-4DB2-BD59-A6C34878D82A}">
+                    <a16:rowId xmlns:a16="http://schemas.microsoft.com/office/drawing/2014/main" val="3538974550"/>
+                  </a:ext>
+                </a:extLst>
+              </a:tr>
+              <a:tr h="370840">
+                <a:tc>
+                  <a:txBody>
+                    <a:bodyPr/>
+                    <a:lstStyle/>
+                    <a:p>
+                      <a:pPr algn="ctr"/>
+                      <a:r>
+                        <a:rPr lang="en-US" dirty="0"/>
+                        <a:t>id</a:t>
+                      </a:r>
+                    </a:p>
+                  </a:txBody>
+                  <a:tcPr>
+                    <a:lnT w="38100" cmpd="sng">
+                      <a:noFill/>
+                    </a:lnT>
+                    <a:solidFill>
+                      <a:srgbClr val="A6A6A6">
+                        <a:alpha val="60000"/>
+                      </a:srgbClr>
+                    </a:solidFill>
+                  </a:tcPr>
+                </a:tc>
+                <a:tc>
+                  <a:txBody>
+                    <a:bodyPr/>
+                    <a:lstStyle/>
+                    <a:p>
+                      <a:pPr algn="ctr"/>
+                      <a:r>
+                        <a:rPr lang="en-US" dirty="0"/>
+                        <a:t>X</a:t>
+                      </a:r>
+                    </a:p>
+                  </a:txBody>
+                  <a:tcPr>
+                    <a:lnT w="38100" cmpd="sng">
+                      <a:noFill/>
+                    </a:lnT>
+                    <a:solidFill>
+                      <a:srgbClr val="A6A6A6">
+                        <a:alpha val="60000"/>
+                      </a:srgbClr>
+                    </a:solidFill>
+                  </a:tcPr>
+                </a:tc>
+                <a:tc>
+                  <a:txBody>
+                    <a:bodyPr/>
+                    <a:lstStyle/>
+                    <a:p>
+                      <a:pPr algn="ctr"/>
+                      <a:r>
+                        <a:rPr lang="en-US" dirty="0"/>
+                        <a:t>Y</a:t>
+                      </a:r>
+                    </a:p>
+                  </a:txBody>
+                  <a:tcPr>
+                    <a:lnT w="38100" cmpd="sng">
+                      <a:noFill/>
+                    </a:lnT>
+                    <a:solidFill>
+                      <a:srgbClr val="A6A6A6">
+                        <a:alpha val="60000"/>
+                      </a:srgbClr>
+                    </a:solidFill>
+                  </a:tcPr>
+                </a:tc>
+                <a:extLst>
+                  <a:ext uri="{0D108BD9-81ED-4DB2-BD59-A6C34878D82A}">
+                    <a16:rowId xmlns:a16="http://schemas.microsoft.com/office/drawing/2014/main" val="1749885453"/>
+                  </a:ext>
+                </a:extLst>
+              </a:tr>
+              <a:tr h="370840">
+                <a:tc>
+                  <a:txBody>
+                    <a:bodyPr/>
+                    <a:lstStyle/>
+                    <a:p>
+                      <a:pPr algn="ctr"/>
+                      <a:r>
+                        <a:rPr lang="en-US" dirty="0"/>
+                        <a:t>1</a:t>
+                      </a:r>
+                    </a:p>
+                  </a:txBody>
+                  <a:tcPr>
+                    <a:solidFill>
+                      <a:srgbClr val="ED7D31">
+                        <a:alpha val="60000"/>
+                      </a:srgbClr>
+                    </a:solidFill>
+                  </a:tcPr>
+                </a:tc>
+                <a:tc>
+                  <a:txBody>
+                    <a:bodyPr/>
+                    <a:lstStyle/>
+                    <a:p>
+                      <a:pPr algn="r"/>
+                      <a:r>
+                        <a:rPr lang="en-US" dirty="0"/>
+                        <a:t>4.49</a:t>
+                      </a:r>
+                    </a:p>
+                  </a:txBody>
+                  <a:tcPr>
+                    <a:solidFill>
+                      <a:srgbClr val="ED7D31">
+                        <a:alpha val="60000"/>
+                      </a:srgbClr>
+                    </a:solidFill>
+                  </a:tcPr>
+                </a:tc>
+                <a:tc>
+                  <a:txBody>
+                    <a:bodyPr/>
+                    <a:lstStyle/>
+                    <a:p>
+                      <a:pPr algn="r"/>
+                      <a:r>
+                        <a:rPr lang="en-US" dirty="0"/>
+                        <a:t>10.83</a:t>
+                      </a:r>
+                    </a:p>
+                  </a:txBody>
+                  <a:tcPr>
+                    <a:solidFill>
+                      <a:srgbClr val="ED7D31">
+                        <a:alpha val="60000"/>
+                      </a:srgbClr>
+                    </a:solidFill>
+                  </a:tcPr>
+                </a:tc>
+                <a:extLst>
+                  <a:ext uri="{0D108BD9-81ED-4DB2-BD59-A6C34878D82A}">
+                    <a16:rowId xmlns:a16="http://schemas.microsoft.com/office/drawing/2014/main" val="2191912433"/>
+                  </a:ext>
+                </a:extLst>
+              </a:tr>
+              <a:tr h="370840">
+                <a:tc>
+                  <a:txBody>
+                    <a:bodyPr/>
+                    <a:lstStyle/>
+                    <a:p>
+                      <a:pPr algn="ctr"/>
+                      <a:r>
+                        <a:rPr lang="en-US" dirty="0"/>
+                        <a:t>2</a:t>
+                      </a:r>
+                    </a:p>
+                  </a:txBody>
+                  <a:tcPr>
+                    <a:solidFill>
+                      <a:srgbClr val="70AD47">
+                        <a:alpha val="60000"/>
+                      </a:srgbClr>
+                    </a:solidFill>
+                  </a:tcPr>
+                </a:tc>
+                <a:tc>
+                  <a:txBody>
+                    <a:bodyPr/>
+                    <a:lstStyle/>
+                    <a:p>
+                      <a:pPr algn="r"/>
+                      <a:r>
+                        <a:rPr lang="en-US" dirty="0"/>
+                        <a:t>4.28</a:t>
+                      </a:r>
+                    </a:p>
+                  </a:txBody>
+                  <a:tcPr>
+                    <a:solidFill>
+                      <a:srgbClr val="70AD47">
+                        <a:alpha val="60000"/>
+                      </a:srgbClr>
+                    </a:solidFill>
+                  </a:tcPr>
+                </a:tc>
+                <a:tc>
+                  <a:txBody>
+                    <a:bodyPr/>
+                    <a:lstStyle/>
+                    <a:p>
+                      <a:pPr algn="r"/>
+                      <a:r>
+                        <a:rPr lang="en-US" dirty="0"/>
+                        <a:t>9.75</a:t>
+                      </a:r>
+                    </a:p>
+                  </a:txBody>
+                  <a:tcPr>
+                    <a:solidFill>
+                      <a:srgbClr val="70AD47">
+                        <a:alpha val="60000"/>
+                      </a:srgbClr>
+                    </a:solidFill>
+                  </a:tcPr>
+                </a:tc>
+                <a:extLst>
+                  <a:ext uri="{0D108BD9-81ED-4DB2-BD59-A6C34878D82A}">
+                    <a16:rowId xmlns:a16="http://schemas.microsoft.com/office/drawing/2014/main" val="3085593938"/>
+                  </a:ext>
+                </a:extLst>
+              </a:tr>
+              <a:tr h="370840">
+                <a:tc>
+                  <a:txBody>
+                    <a:bodyPr/>
+                    <a:lstStyle/>
+                    <a:p>
+                      <a:pPr algn="ctr"/>
+                      <a:r>
+                        <a:rPr lang="en-US" dirty="0"/>
+                        <a:t>3</a:t>
+                      </a:r>
+                    </a:p>
+                  </a:txBody>
+                  <a:tcPr>
+                    <a:solidFill>
+                      <a:srgbClr val="5B9BD5">
+                        <a:alpha val="60000"/>
+                      </a:srgbClr>
+                    </a:solidFill>
+                  </a:tcPr>
+                </a:tc>
+                <a:tc>
+                  <a:txBody>
+                    <a:bodyPr/>
+                    <a:lstStyle/>
+                    <a:p>
+                      <a:pPr algn="r"/>
+                      <a:r>
+                        <a:rPr lang="en-US" dirty="0"/>
+                        <a:t>5.92</a:t>
+                      </a:r>
+                    </a:p>
+                  </a:txBody>
+                  <a:tcPr>
+                    <a:solidFill>
+                      <a:srgbClr val="5B9BD5">
+                        <a:alpha val="60000"/>
+                      </a:srgbClr>
+                    </a:solidFill>
+                  </a:tcPr>
+                </a:tc>
+                <a:tc>
+                  <a:txBody>
+                    <a:bodyPr/>
+                    <a:lstStyle/>
+                    <a:p>
+                      <a:pPr algn="r"/>
+                      <a:r>
+                        <a:rPr lang="en-US" dirty="0"/>
+                        <a:t>11.74</a:t>
+                      </a:r>
+                    </a:p>
+                  </a:txBody>
+                  <a:tcPr>
+                    <a:solidFill>
+                      <a:srgbClr val="5B9BD5">
+                        <a:alpha val="60000"/>
+                      </a:srgbClr>
+                    </a:solidFill>
+                  </a:tcPr>
+                </a:tc>
+                <a:extLst>
+                  <a:ext uri="{0D108BD9-81ED-4DB2-BD59-A6C34878D82A}">
+                    <a16:rowId xmlns:a16="http://schemas.microsoft.com/office/drawing/2014/main" val="1912113309"/>
+                  </a:ext>
+                </a:extLst>
+              </a:tr>
+              <a:tr h="370840">
+                <a:tc>
+                  <a:txBody>
+                    <a:bodyPr/>
+                    <a:lstStyle/>
+                    <a:p>
+                      <a:pPr algn="ctr"/>
+                      <a:r>
+                        <a:rPr lang="en-US" dirty="0"/>
+                        <a:t>4</a:t>
+                      </a:r>
+                    </a:p>
+                  </a:txBody>
+                  <a:tcPr>
+                    <a:solidFill>
+                      <a:srgbClr val="7030A0">
+                        <a:alpha val="60000"/>
+                      </a:srgbClr>
+                    </a:solidFill>
+                  </a:tcPr>
+                </a:tc>
+                <a:tc>
+                  <a:txBody>
+                    <a:bodyPr/>
+                    <a:lstStyle/>
+                    <a:p>
+                      <a:pPr algn="r"/>
+                      <a:r>
+                        <a:rPr lang="en-US" dirty="0"/>
+                        <a:t>6.39</a:t>
+                      </a:r>
+                    </a:p>
+                  </a:txBody>
+                  <a:tcPr>
+                    <a:solidFill>
+                      <a:srgbClr val="7030A0">
+                        <a:alpha val="60000"/>
+                      </a:srgbClr>
+                    </a:solidFill>
+                  </a:tcPr>
+                </a:tc>
+                <a:tc>
+                  <a:txBody>
+                    <a:bodyPr/>
+                    <a:lstStyle/>
+                    <a:p>
+                      <a:pPr algn="r"/>
+                      <a:r>
+                        <a:rPr lang="en-US" dirty="0"/>
+                        <a:t>13.29</a:t>
+                      </a:r>
+                    </a:p>
+                  </a:txBody>
+                  <a:tcPr>
+                    <a:solidFill>
+                      <a:srgbClr val="7030A0">
+                        <a:alpha val="60000"/>
+                      </a:srgbClr>
+                    </a:solidFill>
+                  </a:tcPr>
+                </a:tc>
+                <a:extLst>
+                  <a:ext uri="{0D108BD9-81ED-4DB2-BD59-A6C34878D82A}">
+                    <a16:rowId xmlns:a16="http://schemas.microsoft.com/office/drawing/2014/main" val="644426058"/>
+                  </a:ext>
+                </a:extLst>
+              </a:tr>
+              <a:tr h="370840">
+                <a:tc>
+                  <a:txBody>
+                    <a:bodyPr/>
+                    <a:lstStyle/>
+                    <a:p>
+                      <a:pPr algn="ctr"/>
+                      <a:r>
+                        <a:rPr lang="en-US" dirty="0"/>
+                        <a:t>5</a:t>
+                      </a:r>
+                    </a:p>
+                  </a:txBody>
+                  <a:tcPr>
+                    <a:solidFill>
+                      <a:srgbClr val="FF0000">
+                        <a:alpha val="60000"/>
+                      </a:srgbClr>
+                    </a:solidFill>
+                  </a:tcPr>
+                </a:tc>
+                <a:tc>
+                  <a:txBody>
+                    <a:bodyPr/>
+                    <a:lstStyle/>
+                    <a:p>
+                      <a:pPr algn="r"/>
+                      <a:r>
+                        <a:rPr lang="en-US" dirty="0"/>
+                        <a:t>4.35</a:t>
+                      </a:r>
+                    </a:p>
+                  </a:txBody>
+                  <a:tcPr>
+                    <a:solidFill>
+                      <a:srgbClr val="FF0000">
+                        <a:alpha val="60000"/>
+                      </a:srgbClr>
+                    </a:solidFill>
+                  </a:tcPr>
+                </a:tc>
+                <a:tc>
+                  <a:txBody>
+                    <a:bodyPr/>
+                    <a:lstStyle/>
+                    <a:p>
+                      <a:pPr algn="r"/>
+                      <a:r>
+                        <a:rPr lang="en-US" dirty="0"/>
+                        <a:t>7.65</a:t>
+                      </a:r>
+                    </a:p>
+                  </a:txBody>
+                  <a:tcPr>
+                    <a:solidFill>
+                      <a:srgbClr val="FF0000">
+                        <a:alpha val="60000"/>
+                      </a:srgbClr>
+                    </a:solidFill>
+                  </a:tcPr>
+                </a:tc>
+                <a:extLst>
+                  <a:ext uri="{0D108BD9-81ED-4DB2-BD59-A6C34878D82A}">
+                    <a16:rowId xmlns:a16="http://schemas.microsoft.com/office/drawing/2014/main" val="1873492211"/>
+                  </a:ext>
+                </a:extLst>
+              </a:tr>
+            </a:tbl>
+          </a:graphicData>
+        </a:graphic>
+      </p:graphicFrame>
+      <p:graphicFrame>
+        <p:nvGraphicFramePr>
+          <p:cNvPr id="3" name="Table 2">
+            <a:extLst>
+              <a:ext uri="{FF2B5EF4-FFF2-40B4-BE49-F238E27FC236}">
+                <a16:creationId xmlns:a16="http://schemas.microsoft.com/office/drawing/2014/main" id="{CEF5FF24-23EE-D745-8D76-022560A2E01C}"/>
+              </a:ext>
+            </a:extLst>
+          </p:cNvPr>
+          <p:cNvGraphicFramePr>
+            <a:graphicFrameLocks noGrp="1"/>
+          </p:cNvGraphicFramePr>
+          <p:nvPr/>
+        </p:nvGraphicFramePr>
+        <p:xfrm>
+          <a:off x="5788320" y="1203960"/>
+          <a:ext cx="1828801" cy="2595880"/>
+        </p:xfrm>
+        <a:graphic>
+          <a:graphicData uri="http://schemas.openxmlformats.org/drawingml/2006/table">
+            <a:tbl>
+              <a:tblPr firstRow="1" bandRow="1">
+                <a:tableStyleId>{5C22544A-7EE6-4342-B048-85BDC9FD1C3A}</a:tableStyleId>
+              </a:tblPr>
+              <a:tblGrid>
+                <a:gridCol w="426576">
+                  <a:extLst>
+                    <a:ext uri="{9D8B030D-6E8A-4147-A177-3AD203B41FA5}">
+                      <a16:colId xmlns:a16="http://schemas.microsoft.com/office/drawing/2014/main" val="3999137611"/>
+                    </a:ext>
+                  </a:extLst>
+                </a:gridCol>
+                <a:gridCol w="661004">
+                  <a:extLst>
+                    <a:ext uri="{9D8B030D-6E8A-4147-A177-3AD203B41FA5}">
+                      <a16:colId xmlns:a16="http://schemas.microsoft.com/office/drawing/2014/main" val="2588747643"/>
+                    </a:ext>
+                  </a:extLst>
+                </a:gridCol>
+                <a:gridCol w="741221">
+                  <a:extLst>
+                    <a:ext uri="{9D8B030D-6E8A-4147-A177-3AD203B41FA5}">
+                      <a16:colId xmlns:a16="http://schemas.microsoft.com/office/drawing/2014/main" val="1118308730"/>
+                    </a:ext>
+                  </a:extLst>
+                </a:gridCol>
+              </a:tblGrid>
+              <a:tr h="370840">
+                <a:tc gridSpan="3">
+                  <a:txBody>
+                    <a:bodyPr/>
+                    <a:lstStyle/>
+                    <a:p>
+                      <a:pPr algn="l"/>
+                      <a:r>
+                        <a:rPr lang="en-US" sz="1400" dirty="0">
+                          <a:solidFill>
+                            <a:schemeClr val="tx1"/>
+                          </a:solidFill>
+                        </a:rPr>
+                        <a:t>Bootstrap sample</a:t>
+                      </a:r>
+                    </a:p>
+                  </a:txBody>
+                  <a:tcPr anchor="b">
+                    <a:lnL w="12700" cmpd="sng">
+                      <a:noFill/>
+                    </a:lnL>
+                    <a:lnR w="12700" cmpd="sng">
+                      <a:noFill/>
+                    </a:lnR>
+                    <a:lnT w="12700" cmpd="sng">
+                      <a:noFill/>
+                    </a:lnT>
+                    <a:lnB w="38100" cmpd="sng">
+                      <a:noFill/>
+                    </a:lnB>
+                    <a:lnTlToBr w="12700" cmpd="sng">
+                      <a:noFill/>
+                      <a:prstDash val="solid"/>
+                    </a:lnTlToBr>
+                    <a:lnBlToTr w="12700" cmpd="sng">
+                      <a:noFill/>
+                      <a:prstDash val="solid"/>
+                    </a:lnBlToTr>
+                    <a:solidFill>
+                      <a:schemeClr val="bg1"/>
+                    </a:solidFill>
+                  </a:tcPr>
+                </a:tc>
+                <a:tc hMerge="1">
+                  <a:txBody>
+                    <a:bodyPr/>
+                    <a:lstStyle/>
+                    <a:p>
+                      <a:pPr algn="ctr"/>
+                      <a:endParaRPr lang="en-US" dirty="0"/>
+                    </a:p>
+                  </a:txBody>
+                  <a:tcPr>
+                    <a:solidFill>
+                      <a:schemeClr val="bg1">
+                        <a:lumMod val="65000"/>
+                      </a:schemeClr>
+                    </a:solidFill>
+                  </a:tcPr>
+                </a:tc>
+                <a:tc hMerge="1">
+                  <a:txBody>
+                    <a:bodyPr/>
+                    <a:lstStyle/>
+                    <a:p>
+                      <a:pPr algn="ctr"/>
+                      <a:endParaRPr lang="en-US" dirty="0"/>
+                    </a:p>
+                  </a:txBody>
+                  <a:tcPr>
+                    <a:solidFill>
+                      <a:schemeClr val="bg1">
+                        <a:lumMod val="65000"/>
+                      </a:schemeClr>
+                    </a:solidFill>
+                  </a:tcPr>
+                </a:tc>
+                <a:extLst>
+                  <a:ext uri="{0D108BD9-81ED-4DB2-BD59-A6C34878D82A}">
+                    <a16:rowId xmlns:a16="http://schemas.microsoft.com/office/drawing/2014/main" val="2977364126"/>
+                  </a:ext>
+                </a:extLst>
+              </a:tr>
+              <a:tr h="370840">
+                <a:tc>
+                  <a:txBody>
+                    <a:bodyPr/>
+                    <a:lstStyle/>
+                    <a:p>
+                      <a:pPr algn="ctr"/>
+                      <a:r>
+                        <a:rPr lang="en-US" dirty="0"/>
+                        <a:t>id</a:t>
+                      </a:r>
+                    </a:p>
+                  </a:txBody>
+                  <a:tcPr>
+                    <a:lnT w="38100" cmpd="sng">
+                      <a:noFill/>
+                    </a:lnT>
+                    <a:solidFill>
+                      <a:srgbClr val="A6A6A6">
+                        <a:alpha val="60000"/>
+                      </a:srgbClr>
+                    </a:solidFill>
+                  </a:tcPr>
+                </a:tc>
+                <a:tc>
+                  <a:txBody>
+                    <a:bodyPr/>
+                    <a:lstStyle/>
+                    <a:p>
+                      <a:pPr algn="ctr"/>
+                      <a:r>
+                        <a:rPr lang="en-US" dirty="0"/>
+                        <a:t>X</a:t>
+                      </a:r>
+                    </a:p>
+                  </a:txBody>
+                  <a:tcPr>
+                    <a:lnT w="38100" cmpd="sng">
+                      <a:noFill/>
+                    </a:lnT>
+                    <a:solidFill>
+                      <a:srgbClr val="A6A6A6">
+                        <a:alpha val="60000"/>
+                      </a:srgbClr>
+                    </a:solidFill>
+                  </a:tcPr>
+                </a:tc>
+                <a:tc>
+                  <a:txBody>
+                    <a:bodyPr/>
+                    <a:lstStyle/>
+                    <a:p>
+                      <a:pPr algn="ctr"/>
+                      <a:r>
+                        <a:rPr lang="en-US" dirty="0"/>
+                        <a:t>Y</a:t>
+                      </a:r>
+                    </a:p>
+                  </a:txBody>
+                  <a:tcPr>
+                    <a:lnT w="38100" cmpd="sng">
+                      <a:noFill/>
+                    </a:lnT>
+                    <a:solidFill>
+                      <a:srgbClr val="A6A6A6">
+                        <a:alpha val="60000"/>
+                      </a:srgbClr>
+                    </a:solidFill>
+                  </a:tcPr>
+                </a:tc>
+                <a:extLst>
+                  <a:ext uri="{0D108BD9-81ED-4DB2-BD59-A6C34878D82A}">
+                    <a16:rowId xmlns:a16="http://schemas.microsoft.com/office/drawing/2014/main" val="1749885453"/>
+                  </a:ext>
+                </a:extLst>
+              </a:tr>
+              <a:tr h="370840">
+                <a:tc>
+                  <a:txBody>
+                    <a:bodyPr/>
+                    <a:lstStyle/>
+                    <a:p>
+                      <a:pPr algn="ctr"/>
+                      <a:r>
+                        <a:rPr lang="en-US" dirty="0"/>
+                        <a:t>3</a:t>
+                      </a:r>
+                    </a:p>
+                  </a:txBody>
+                  <a:tcPr>
+                    <a:solidFill>
+                      <a:srgbClr val="5B9BD5">
+                        <a:alpha val="60000"/>
+                      </a:srgbClr>
+                    </a:solidFill>
+                  </a:tcPr>
+                </a:tc>
+                <a:tc>
+                  <a:txBody>
+                    <a:bodyPr/>
+                    <a:lstStyle/>
+                    <a:p>
+                      <a:pPr algn="r"/>
+                      <a:r>
+                        <a:rPr lang="en-US" dirty="0"/>
+                        <a:t>5.92</a:t>
+                      </a:r>
+                    </a:p>
+                  </a:txBody>
+                  <a:tcPr>
+                    <a:solidFill>
+                      <a:srgbClr val="5B9BD5">
+                        <a:alpha val="60000"/>
+                      </a:srgbClr>
+                    </a:solidFill>
+                  </a:tcPr>
+                </a:tc>
+                <a:tc>
+                  <a:txBody>
+                    <a:bodyPr/>
+                    <a:lstStyle/>
+                    <a:p>
+                      <a:pPr algn="r"/>
+                      <a:r>
+                        <a:rPr lang="en-US" dirty="0"/>
+                        <a:t>11.74</a:t>
+                      </a:r>
+                    </a:p>
+                  </a:txBody>
+                  <a:tcPr>
+                    <a:solidFill>
+                      <a:srgbClr val="5B9BD5">
+                        <a:alpha val="60000"/>
+                      </a:srgbClr>
+                    </a:solidFill>
+                  </a:tcPr>
+                </a:tc>
+                <a:extLst>
+                  <a:ext uri="{0D108BD9-81ED-4DB2-BD59-A6C34878D82A}">
+                    <a16:rowId xmlns:a16="http://schemas.microsoft.com/office/drawing/2014/main" val="2191912433"/>
+                  </a:ext>
+                </a:extLst>
+              </a:tr>
+              <a:tr h="370840">
+                <a:tc>
+                  <a:txBody>
+                    <a:bodyPr/>
+                    <a:lstStyle/>
+                    <a:p>
+                      <a:pPr algn="ctr"/>
+                      <a:r>
+                        <a:rPr lang="en-US" dirty="0"/>
+                        <a:t>3</a:t>
+                      </a:r>
+                    </a:p>
+                  </a:txBody>
+                  <a:tcPr>
+                    <a:solidFill>
+                      <a:srgbClr val="5B9BD5">
+                        <a:alpha val="60000"/>
+                      </a:srgbClr>
+                    </a:solidFill>
+                  </a:tcPr>
+                </a:tc>
+                <a:tc>
+                  <a:txBody>
+                    <a:bodyPr/>
+                    <a:lstStyle/>
+                    <a:p>
+                      <a:pPr algn="r"/>
+                      <a:r>
+                        <a:rPr lang="en-US" dirty="0"/>
+                        <a:t>5.92</a:t>
+                      </a:r>
+                    </a:p>
+                  </a:txBody>
+                  <a:tcPr>
+                    <a:solidFill>
+                      <a:srgbClr val="5B9BD5">
+                        <a:alpha val="60000"/>
+                      </a:srgbClr>
+                    </a:solidFill>
+                  </a:tcPr>
+                </a:tc>
+                <a:tc>
+                  <a:txBody>
+                    <a:bodyPr/>
+                    <a:lstStyle/>
+                    <a:p>
+                      <a:pPr algn="r"/>
+                      <a:r>
+                        <a:rPr lang="en-US" dirty="0"/>
+                        <a:t>11.74</a:t>
+                      </a:r>
+                    </a:p>
+                  </a:txBody>
+                  <a:tcPr>
+                    <a:solidFill>
+                      <a:srgbClr val="5B9BD5">
+                        <a:alpha val="60000"/>
+                      </a:srgbClr>
+                    </a:solidFill>
+                  </a:tcPr>
+                </a:tc>
+                <a:extLst>
+                  <a:ext uri="{0D108BD9-81ED-4DB2-BD59-A6C34878D82A}">
+                    <a16:rowId xmlns:a16="http://schemas.microsoft.com/office/drawing/2014/main" val="3085593938"/>
+                  </a:ext>
+                </a:extLst>
+              </a:tr>
+              <a:tr h="370840">
+                <a:tc>
+                  <a:txBody>
+                    <a:bodyPr/>
+                    <a:lstStyle/>
+                    <a:p>
+                      <a:pPr algn="ctr"/>
+                      <a:r>
+                        <a:rPr lang="en-US" dirty="0"/>
+                        <a:t>4</a:t>
+                      </a:r>
+                    </a:p>
+                  </a:txBody>
+                  <a:tcPr>
+                    <a:solidFill>
+                      <a:srgbClr val="7030A0">
+                        <a:alpha val="60000"/>
+                      </a:srgbClr>
+                    </a:solidFill>
+                  </a:tcPr>
+                </a:tc>
+                <a:tc>
+                  <a:txBody>
+                    <a:bodyPr/>
+                    <a:lstStyle/>
+                    <a:p>
+                      <a:pPr algn="r"/>
+                      <a:r>
+                        <a:rPr lang="en-US" dirty="0"/>
+                        <a:t>6.39</a:t>
+                      </a:r>
+                    </a:p>
+                  </a:txBody>
+                  <a:tcPr>
+                    <a:solidFill>
+                      <a:srgbClr val="7030A0">
+                        <a:alpha val="60000"/>
+                      </a:srgbClr>
+                    </a:solidFill>
+                  </a:tcPr>
+                </a:tc>
+                <a:tc>
+                  <a:txBody>
+                    <a:bodyPr/>
+                    <a:lstStyle/>
+                    <a:p>
+                      <a:pPr algn="r"/>
+                      <a:r>
+                        <a:rPr lang="en-US" dirty="0"/>
+                        <a:t>13.29</a:t>
+                      </a:r>
+                    </a:p>
+                  </a:txBody>
+                  <a:tcPr>
+                    <a:solidFill>
+                      <a:srgbClr val="7030A0">
+                        <a:alpha val="60000"/>
+                      </a:srgbClr>
+                    </a:solidFill>
+                  </a:tcPr>
+                </a:tc>
+                <a:extLst>
+                  <a:ext uri="{0D108BD9-81ED-4DB2-BD59-A6C34878D82A}">
+                    <a16:rowId xmlns:a16="http://schemas.microsoft.com/office/drawing/2014/main" val="1912113309"/>
+                  </a:ext>
+                </a:extLst>
+              </a:tr>
+              <a:tr h="370840">
+                <a:tc>
+                  <a:txBody>
+                    <a:bodyPr/>
+                    <a:lstStyle/>
+                    <a:p>
+                      <a:pPr algn="ctr"/>
+                      <a:r>
+                        <a:rPr lang="en-US" dirty="0"/>
+                        <a:t>1</a:t>
+                      </a:r>
+                    </a:p>
+                  </a:txBody>
+                  <a:tcPr>
+                    <a:solidFill>
+                      <a:srgbClr val="ED7D31">
+                        <a:alpha val="60000"/>
+                      </a:srgbClr>
+                    </a:solidFill>
+                  </a:tcPr>
+                </a:tc>
+                <a:tc>
+                  <a:txBody>
+                    <a:bodyPr/>
+                    <a:lstStyle/>
+                    <a:p>
+                      <a:pPr algn="r"/>
+                      <a:r>
+                        <a:rPr lang="en-US" dirty="0"/>
+                        <a:t>4.49</a:t>
+                      </a:r>
+                    </a:p>
+                  </a:txBody>
+                  <a:tcPr>
+                    <a:solidFill>
+                      <a:srgbClr val="ED7D31">
+                        <a:alpha val="60000"/>
+                      </a:srgbClr>
+                    </a:solidFill>
+                  </a:tcPr>
+                </a:tc>
+                <a:tc>
+                  <a:txBody>
+                    <a:bodyPr/>
+                    <a:lstStyle/>
+                    <a:p>
+                      <a:pPr algn="r"/>
+                      <a:r>
+                        <a:rPr lang="en-US" dirty="0"/>
+                        <a:t>10.83</a:t>
+                      </a:r>
+                    </a:p>
+                  </a:txBody>
+                  <a:tcPr>
+                    <a:solidFill>
+                      <a:srgbClr val="ED7D31">
+                        <a:alpha val="60000"/>
+                      </a:srgbClr>
+                    </a:solidFill>
+                  </a:tcPr>
+                </a:tc>
+                <a:extLst>
+                  <a:ext uri="{0D108BD9-81ED-4DB2-BD59-A6C34878D82A}">
+                    <a16:rowId xmlns:a16="http://schemas.microsoft.com/office/drawing/2014/main" val="644426058"/>
+                  </a:ext>
+                </a:extLst>
+              </a:tr>
+              <a:tr h="370840">
+                <a:tc>
+                  <a:txBody>
+                    <a:bodyPr/>
+                    <a:lstStyle/>
+                    <a:p>
+                      <a:pPr algn="ctr"/>
+                      <a:r>
+                        <a:rPr lang="en-US" dirty="0"/>
+                        <a:t>4</a:t>
+                      </a:r>
+                    </a:p>
+                  </a:txBody>
+                  <a:tcPr>
+                    <a:solidFill>
+                      <a:srgbClr val="7030A0">
+                        <a:alpha val="60000"/>
+                      </a:srgbClr>
+                    </a:solidFill>
+                  </a:tcPr>
+                </a:tc>
+                <a:tc>
+                  <a:txBody>
+                    <a:bodyPr/>
+                    <a:lstStyle/>
+                    <a:p>
+                      <a:pPr algn="r"/>
+                      <a:r>
+                        <a:rPr lang="en-US" dirty="0"/>
+                        <a:t>6.39</a:t>
+                      </a:r>
+                    </a:p>
+                  </a:txBody>
+                  <a:tcPr>
+                    <a:solidFill>
+                      <a:srgbClr val="7030A0">
+                        <a:alpha val="60000"/>
+                      </a:srgbClr>
+                    </a:solidFill>
+                  </a:tcPr>
+                </a:tc>
+                <a:tc>
+                  <a:txBody>
+                    <a:bodyPr/>
+                    <a:lstStyle/>
+                    <a:p>
+                      <a:pPr algn="r"/>
+                      <a:r>
+                        <a:rPr lang="en-US" dirty="0"/>
+                        <a:t>13.29</a:t>
+                      </a:r>
+                    </a:p>
+                  </a:txBody>
+                  <a:tcPr>
+                    <a:solidFill>
+                      <a:srgbClr val="7030A0">
+                        <a:alpha val="60000"/>
+                      </a:srgbClr>
+                    </a:solidFill>
+                  </a:tcPr>
+                </a:tc>
+                <a:extLst>
+                  <a:ext uri="{0D108BD9-81ED-4DB2-BD59-A6C34878D82A}">
+                    <a16:rowId xmlns:a16="http://schemas.microsoft.com/office/drawing/2014/main" val="1873492211"/>
+                  </a:ext>
+                </a:extLst>
+              </a:tr>
+            </a:tbl>
+          </a:graphicData>
+        </a:graphic>
+      </p:graphicFrame>
+      <p:cxnSp>
+        <p:nvCxnSpPr>
+          <p:cNvPr id="5" name="Straight Arrow Connector 4">
+            <a:extLst>
+              <a:ext uri="{FF2B5EF4-FFF2-40B4-BE49-F238E27FC236}">
+                <a16:creationId xmlns:a16="http://schemas.microsoft.com/office/drawing/2014/main" id="{433B276B-DCFF-C24F-A121-B5FCA8E7B326}"/>
+              </a:ext>
+            </a:extLst>
+          </p:cNvPr>
+          <p:cNvCxnSpPr>
+            <a:cxnSpLocks/>
+          </p:cNvCxnSpPr>
+          <p:nvPr/>
+        </p:nvCxnSpPr>
+        <p:spPr>
+          <a:xfrm>
+            <a:off x="4574881" y="2133599"/>
+            <a:ext cx="1213439" cy="1081549"/>
+          </a:xfrm>
+          <a:prstGeom prst="straightConnector1">
+            <a:avLst/>
+          </a:prstGeom>
+          <a:ln>
+            <a:tailEnd type="triangle"/>
+          </a:ln>
+        </p:spPr>
+        <p:style>
+          <a:lnRef idx="1">
+            <a:schemeClr val="dk1"/>
+          </a:lnRef>
+          <a:fillRef idx="0">
+            <a:schemeClr val="dk1"/>
+          </a:fillRef>
+          <a:effectRef idx="0">
+            <a:schemeClr val="dk1"/>
+          </a:effectRef>
+          <a:fontRef idx="minor">
+            <a:schemeClr val="tx1"/>
+          </a:fontRef>
+        </p:style>
+      </p:cxnSp>
+      <p:cxnSp>
+        <p:nvCxnSpPr>
+          <p:cNvPr id="8" name="Straight Arrow Connector 7">
+            <a:extLst>
+              <a:ext uri="{FF2B5EF4-FFF2-40B4-BE49-F238E27FC236}">
+                <a16:creationId xmlns:a16="http://schemas.microsoft.com/office/drawing/2014/main" id="{383EC36B-F8AC-3C43-9FD7-F52D4843AE79}"/>
+              </a:ext>
+            </a:extLst>
+          </p:cNvPr>
+          <p:cNvCxnSpPr>
+            <a:cxnSpLocks/>
+          </p:cNvCxnSpPr>
+          <p:nvPr/>
+        </p:nvCxnSpPr>
+        <p:spPr>
+          <a:xfrm flipV="1">
+            <a:off x="4574881" y="2143431"/>
+            <a:ext cx="1213439" cy="722671"/>
+          </a:xfrm>
+          <a:prstGeom prst="straightConnector1">
+            <a:avLst/>
+          </a:prstGeom>
+          <a:ln>
+            <a:tailEnd type="triangle"/>
+          </a:ln>
+        </p:spPr>
+        <p:style>
+          <a:lnRef idx="1">
+            <a:schemeClr val="dk1"/>
+          </a:lnRef>
+          <a:fillRef idx="0">
+            <a:schemeClr val="dk1"/>
+          </a:fillRef>
+          <a:effectRef idx="0">
+            <a:schemeClr val="dk1"/>
+          </a:effectRef>
+          <a:fontRef idx="minor">
+            <a:schemeClr val="tx1"/>
+          </a:fontRef>
+        </p:style>
+      </p:cxnSp>
+      <p:cxnSp>
+        <p:nvCxnSpPr>
+          <p:cNvPr id="10" name="Straight Arrow Connector 9">
+            <a:extLst>
+              <a:ext uri="{FF2B5EF4-FFF2-40B4-BE49-F238E27FC236}">
+                <a16:creationId xmlns:a16="http://schemas.microsoft.com/office/drawing/2014/main" id="{8EF7A683-706D-2C48-B078-DA46688018FE}"/>
+              </a:ext>
+            </a:extLst>
+          </p:cNvPr>
+          <p:cNvCxnSpPr>
+            <a:cxnSpLocks/>
+          </p:cNvCxnSpPr>
+          <p:nvPr/>
+        </p:nvCxnSpPr>
+        <p:spPr>
+          <a:xfrm flipV="1">
+            <a:off x="4574881" y="2504766"/>
+            <a:ext cx="1213439" cy="361337"/>
+          </a:xfrm>
+          <a:prstGeom prst="straightConnector1">
+            <a:avLst/>
+          </a:prstGeom>
+          <a:ln>
+            <a:tailEnd type="triangle"/>
+          </a:ln>
+        </p:spPr>
+        <p:style>
+          <a:lnRef idx="1">
+            <a:schemeClr val="dk1"/>
+          </a:lnRef>
+          <a:fillRef idx="0">
+            <a:schemeClr val="dk1"/>
+          </a:fillRef>
+          <a:effectRef idx="0">
+            <a:schemeClr val="dk1"/>
+          </a:effectRef>
+          <a:fontRef idx="minor">
+            <a:schemeClr val="tx1"/>
+          </a:fontRef>
+        </p:style>
+      </p:cxnSp>
+      <p:cxnSp>
+        <p:nvCxnSpPr>
+          <p:cNvPr id="12" name="Straight Arrow Connector 11">
+            <a:extLst>
+              <a:ext uri="{FF2B5EF4-FFF2-40B4-BE49-F238E27FC236}">
+                <a16:creationId xmlns:a16="http://schemas.microsoft.com/office/drawing/2014/main" id="{051CAA94-6CC8-464E-B746-FA753ED6FEC9}"/>
+              </a:ext>
+            </a:extLst>
+          </p:cNvPr>
+          <p:cNvCxnSpPr>
+            <a:cxnSpLocks/>
+          </p:cNvCxnSpPr>
+          <p:nvPr/>
+        </p:nvCxnSpPr>
+        <p:spPr>
+          <a:xfrm flipV="1">
+            <a:off x="4574881" y="2873477"/>
+            <a:ext cx="1213439" cy="363793"/>
+          </a:xfrm>
+          <a:prstGeom prst="straightConnector1">
+            <a:avLst/>
+          </a:prstGeom>
+          <a:ln>
+            <a:tailEnd type="triangle"/>
+          </a:ln>
+        </p:spPr>
+        <p:style>
+          <a:lnRef idx="1">
+            <a:schemeClr val="dk1"/>
+          </a:lnRef>
+          <a:fillRef idx="0">
+            <a:schemeClr val="dk1"/>
+          </a:fillRef>
+          <a:effectRef idx="0">
+            <a:schemeClr val="dk1"/>
+          </a:effectRef>
+          <a:fontRef idx="minor">
+            <a:schemeClr val="tx1"/>
+          </a:fontRef>
+        </p:style>
+      </p:cxnSp>
+      <p:cxnSp>
+        <p:nvCxnSpPr>
+          <p:cNvPr id="14" name="Straight Arrow Connector 13">
+            <a:extLst>
+              <a:ext uri="{FF2B5EF4-FFF2-40B4-BE49-F238E27FC236}">
+                <a16:creationId xmlns:a16="http://schemas.microsoft.com/office/drawing/2014/main" id="{FEF239CF-04A5-BD4E-A43D-D7739F3BE100}"/>
+              </a:ext>
+            </a:extLst>
+          </p:cNvPr>
+          <p:cNvCxnSpPr>
+            <a:cxnSpLocks/>
+          </p:cNvCxnSpPr>
+          <p:nvPr/>
+        </p:nvCxnSpPr>
+        <p:spPr>
+          <a:xfrm>
+            <a:off x="4574880" y="3237270"/>
+            <a:ext cx="1213440" cy="356421"/>
+          </a:xfrm>
+          <a:prstGeom prst="straightConnector1">
+            <a:avLst/>
+          </a:prstGeom>
+          <a:ln>
+            <a:tailEnd type="triangle"/>
+          </a:ln>
+        </p:spPr>
+        <p:style>
+          <a:lnRef idx="1">
+            <a:schemeClr val="dk1"/>
+          </a:lnRef>
+          <a:fillRef idx="0">
+            <a:schemeClr val="dk1"/>
+          </a:fillRef>
+          <a:effectRef idx="0">
+            <a:schemeClr val="dk1"/>
+          </a:effectRef>
+          <a:fontRef idx="minor">
+            <a:schemeClr val="tx1"/>
+          </a:fontRef>
+        </p:style>
+      </p:cxnSp>
+    </p:spTree>
+    <p:extLst>
+      <p:ext uri="{BB962C8B-B14F-4D97-AF65-F5344CB8AC3E}">
+        <p14:creationId xmlns:p14="http://schemas.microsoft.com/office/powerpoint/2010/main" val="609866486"/>
+      </p:ext>
+    </p:extLst>
+  </p:cSld>
+  <p:clrMapOvr>
+    <a:masterClrMapping/>
+  </p:clrMapOvr>
+</p:sld>
+</file>
+
 <file path=ppt/theme/theme1.xml><?xml version="1.0" encoding="utf-8"?>
 <a:theme xmlns:a="http://schemas.openxmlformats.org/drawingml/2006/main" name="Office Theme">
   <a:themeElements>
